--- a/assets/assets.pptx
+++ b/assets/assets.pptx
@@ -261,7 +261,7 @@
           <a:p>
             <a:fld id="{ACDBB25E-B977-4086-AECD-3C209655B8CD}" type="datetimeFigureOut">
               <a:rPr lang="en-IN" smtClean="0"/>
-              <a:t>13-06-2024</a:t>
+              <a:t>24-07-2024</a:t>
             </a:fld>
             <a:endParaRPr lang="en-IN"/>
           </a:p>
@@ -461,7 +461,7 @@
           <a:p>
             <a:fld id="{ACDBB25E-B977-4086-AECD-3C209655B8CD}" type="datetimeFigureOut">
               <a:rPr lang="en-IN" smtClean="0"/>
-              <a:t>13-06-2024</a:t>
+              <a:t>24-07-2024</a:t>
             </a:fld>
             <a:endParaRPr lang="en-IN"/>
           </a:p>
@@ -671,7 +671,7 @@
           <a:p>
             <a:fld id="{ACDBB25E-B977-4086-AECD-3C209655B8CD}" type="datetimeFigureOut">
               <a:rPr lang="en-IN" smtClean="0"/>
-              <a:t>13-06-2024</a:t>
+              <a:t>24-07-2024</a:t>
             </a:fld>
             <a:endParaRPr lang="en-IN"/>
           </a:p>
@@ -871,7 +871,7 @@
           <a:p>
             <a:fld id="{ACDBB25E-B977-4086-AECD-3C209655B8CD}" type="datetimeFigureOut">
               <a:rPr lang="en-IN" smtClean="0"/>
-              <a:t>13-06-2024</a:t>
+              <a:t>24-07-2024</a:t>
             </a:fld>
             <a:endParaRPr lang="en-IN"/>
           </a:p>
@@ -1147,7 +1147,7 @@
           <a:p>
             <a:fld id="{ACDBB25E-B977-4086-AECD-3C209655B8CD}" type="datetimeFigureOut">
               <a:rPr lang="en-IN" smtClean="0"/>
-              <a:t>13-06-2024</a:t>
+              <a:t>24-07-2024</a:t>
             </a:fld>
             <a:endParaRPr lang="en-IN"/>
           </a:p>
@@ -1415,7 +1415,7 @@
           <a:p>
             <a:fld id="{ACDBB25E-B977-4086-AECD-3C209655B8CD}" type="datetimeFigureOut">
               <a:rPr lang="en-IN" smtClean="0"/>
-              <a:t>13-06-2024</a:t>
+              <a:t>24-07-2024</a:t>
             </a:fld>
             <a:endParaRPr lang="en-IN"/>
           </a:p>
@@ -1830,7 +1830,7 @@
           <a:p>
             <a:fld id="{ACDBB25E-B977-4086-AECD-3C209655B8CD}" type="datetimeFigureOut">
               <a:rPr lang="en-IN" smtClean="0"/>
-              <a:t>13-06-2024</a:t>
+              <a:t>24-07-2024</a:t>
             </a:fld>
             <a:endParaRPr lang="en-IN"/>
           </a:p>
@@ -1972,7 +1972,7 @@
           <a:p>
             <a:fld id="{ACDBB25E-B977-4086-AECD-3C209655B8CD}" type="datetimeFigureOut">
               <a:rPr lang="en-IN" smtClean="0"/>
-              <a:t>13-06-2024</a:t>
+              <a:t>24-07-2024</a:t>
             </a:fld>
             <a:endParaRPr lang="en-IN"/>
           </a:p>
@@ -2085,7 +2085,7 @@
           <a:p>
             <a:fld id="{ACDBB25E-B977-4086-AECD-3C209655B8CD}" type="datetimeFigureOut">
               <a:rPr lang="en-IN" smtClean="0"/>
-              <a:t>13-06-2024</a:t>
+              <a:t>24-07-2024</a:t>
             </a:fld>
             <a:endParaRPr lang="en-IN"/>
           </a:p>
@@ -2398,7 +2398,7 @@
           <a:p>
             <a:fld id="{ACDBB25E-B977-4086-AECD-3C209655B8CD}" type="datetimeFigureOut">
               <a:rPr lang="en-IN" smtClean="0"/>
-              <a:t>13-06-2024</a:t>
+              <a:t>24-07-2024</a:t>
             </a:fld>
             <a:endParaRPr lang="en-IN"/>
           </a:p>
@@ -2687,7 +2687,7 @@
           <a:p>
             <a:fld id="{ACDBB25E-B977-4086-AECD-3C209655B8CD}" type="datetimeFigureOut">
               <a:rPr lang="en-IN" smtClean="0"/>
-              <a:t>13-06-2024</a:t>
+              <a:t>24-07-2024</a:t>
             </a:fld>
             <a:endParaRPr lang="en-IN"/>
           </a:p>
@@ -2930,7 +2930,7 @@
           <a:p>
             <a:fld id="{ACDBB25E-B977-4086-AECD-3C209655B8CD}" type="datetimeFigureOut">
               <a:rPr lang="en-IN" smtClean="0"/>
-              <a:t>13-06-2024</a:t>
+              <a:t>24-07-2024</a:t>
             </a:fld>
             <a:endParaRPr lang="en-IN"/>
           </a:p>
@@ -5487,6 +5487,1895 @@
           </a:scene3d>
           <a:sp3d>
             <a:bevelT w="190500" h="38100" prst="relaxedInset"/>
+          </a:sp3d>
+        </p:spPr>
+        <p:style>
+          <a:lnRef idx="2">
+            <a:schemeClr val="accent1">
+              <a:shade val="15000"/>
+            </a:schemeClr>
+          </a:lnRef>
+          <a:fillRef idx="1">
+            <a:schemeClr val="accent1"/>
+          </a:fillRef>
+          <a:effectRef idx="0">
+            <a:schemeClr val="accent1"/>
+          </a:effectRef>
+          <a:fontRef idx="minor">
+            <a:schemeClr val="lt1"/>
+          </a:fontRef>
+        </p:style>
+        <p:txBody>
+          <a:bodyPr rtlCol="0" anchor="ctr"/>
+          <a:lstStyle/>
+          <a:p>
+            <a:pPr algn="ctr"/>
+            <a:endParaRPr lang="en-IN"/>
+          </a:p>
+        </p:txBody>
+      </p:sp>
+      <p:sp>
+        <p:nvSpPr>
+          <p:cNvPr id="37" name="Rectangle 36">
+            <a:extLst>
+              <a:ext uri="{FF2B5EF4-FFF2-40B4-BE49-F238E27FC236}">
+                <a16:creationId xmlns:a16="http://schemas.microsoft.com/office/drawing/2014/main" id="{41152666-8B05-2164-8F7B-1138BE9EB6E9}"/>
+              </a:ext>
+            </a:extLst>
+          </p:cNvPr>
+          <p:cNvSpPr/>
+          <p:nvPr/>
+        </p:nvSpPr>
+        <p:spPr>
+          <a:xfrm>
+            <a:off x="1985577" y="3946116"/>
+            <a:ext cx="438912" cy="438912"/>
+          </a:xfrm>
+          <a:prstGeom prst="rect">
+            <a:avLst/>
+          </a:prstGeom>
+          <a:gradFill flip="none" rotWithShape="1">
+            <a:gsLst>
+              <a:gs pos="0">
+                <a:schemeClr val="accent2">
+                  <a:shade val="30000"/>
+                  <a:satMod val="115000"/>
+                </a:schemeClr>
+              </a:gs>
+              <a:gs pos="50000">
+                <a:schemeClr val="accent2">
+                  <a:shade val="67500"/>
+                  <a:satMod val="115000"/>
+                </a:schemeClr>
+              </a:gs>
+              <a:gs pos="100000">
+                <a:schemeClr val="accent2">
+                  <a:shade val="100000"/>
+                  <a:satMod val="115000"/>
+                </a:schemeClr>
+              </a:gs>
+            </a:gsLst>
+            <a:lin ang="16200000" scaled="1"/>
+            <a:tileRect/>
+          </a:gradFill>
+          <a:ln w="57150">
+            <a:noFill/>
+          </a:ln>
+        </p:spPr>
+        <p:style>
+          <a:lnRef idx="2">
+            <a:schemeClr val="accent1">
+              <a:shade val="15000"/>
+            </a:schemeClr>
+          </a:lnRef>
+          <a:fillRef idx="1">
+            <a:schemeClr val="accent1"/>
+          </a:fillRef>
+          <a:effectRef idx="0">
+            <a:schemeClr val="accent1"/>
+          </a:effectRef>
+          <a:fontRef idx="minor">
+            <a:schemeClr val="lt1"/>
+          </a:fontRef>
+        </p:style>
+        <p:txBody>
+          <a:bodyPr rtlCol="0" anchor="ctr"/>
+          <a:lstStyle/>
+          <a:p>
+            <a:pPr algn="ctr"/>
+            <a:endParaRPr lang="en-IN"/>
+          </a:p>
+        </p:txBody>
+      </p:sp>
+      <p:sp>
+        <p:nvSpPr>
+          <p:cNvPr id="38" name="Rectangle 37">
+            <a:extLst>
+              <a:ext uri="{FF2B5EF4-FFF2-40B4-BE49-F238E27FC236}">
+                <a16:creationId xmlns:a16="http://schemas.microsoft.com/office/drawing/2014/main" id="{39AD4484-5B4E-9D99-6EE2-AD77EEDA77FE}"/>
+              </a:ext>
+            </a:extLst>
+          </p:cNvPr>
+          <p:cNvSpPr/>
+          <p:nvPr/>
+        </p:nvSpPr>
+        <p:spPr>
+          <a:xfrm>
+            <a:off x="2434174" y="3946116"/>
+            <a:ext cx="438912" cy="438912"/>
+          </a:xfrm>
+          <a:prstGeom prst="rect">
+            <a:avLst/>
+          </a:prstGeom>
+          <a:gradFill flip="none" rotWithShape="1">
+            <a:gsLst>
+              <a:gs pos="0">
+                <a:schemeClr val="accent2">
+                  <a:shade val="30000"/>
+                  <a:satMod val="115000"/>
+                </a:schemeClr>
+              </a:gs>
+              <a:gs pos="50000">
+                <a:schemeClr val="accent2">
+                  <a:shade val="67500"/>
+                  <a:satMod val="115000"/>
+                </a:schemeClr>
+              </a:gs>
+              <a:gs pos="100000">
+                <a:schemeClr val="accent2">
+                  <a:shade val="100000"/>
+                  <a:satMod val="115000"/>
+                </a:schemeClr>
+              </a:gs>
+            </a:gsLst>
+            <a:lin ang="0" scaled="1"/>
+            <a:tileRect/>
+          </a:gradFill>
+          <a:ln w="57150">
+            <a:noFill/>
+          </a:ln>
+        </p:spPr>
+        <p:style>
+          <a:lnRef idx="2">
+            <a:schemeClr val="accent1">
+              <a:shade val="15000"/>
+            </a:schemeClr>
+          </a:lnRef>
+          <a:fillRef idx="1">
+            <a:schemeClr val="accent1"/>
+          </a:fillRef>
+          <a:effectRef idx="0">
+            <a:schemeClr val="accent1"/>
+          </a:effectRef>
+          <a:fontRef idx="minor">
+            <a:schemeClr val="lt1"/>
+          </a:fontRef>
+        </p:style>
+        <p:txBody>
+          <a:bodyPr rtlCol="0" anchor="ctr"/>
+          <a:lstStyle/>
+          <a:p>
+            <a:pPr algn="ctr"/>
+            <a:endParaRPr lang="en-IN"/>
+          </a:p>
+        </p:txBody>
+      </p:sp>
+      <p:sp>
+        <p:nvSpPr>
+          <p:cNvPr id="39" name="Rectangle 38">
+            <a:extLst>
+              <a:ext uri="{FF2B5EF4-FFF2-40B4-BE49-F238E27FC236}">
+                <a16:creationId xmlns:a16="http://schemas.microsoft.com/office/drawing/2014/main" id="{1F8A3A0C-18F0-EE61-E6B1-C81C23AB9E7B}"/>
+              </a:ext>
+            </a:extLst>
+          </p:cNvPr>
+          <p:cNvSpPr/>
+          <p:nvPr/>
+        </p:nvSpPr>
+        <p:spPr>
+          <a:xfrm>
+            <a:off x="1101115" y="4385028"/>
+            <a:ext cx="438912" cy="438912"/>
+          </a:xfrm>
+          <a:prstGeom prst="rect">
+            <a:avLst/>
+          </a:prstGeom>
+          <a:gradFill flip="none" rotWithShape="1">
+            <a:gsLst>
+              <a:gs pos="0">
+                <a:schemeClr val="accent2">
+                  <a:shade val="30000"/>
+                  <a:satMod val="115000"/>
+                </a:schemeClr>
+              </a:gs>
+              <a:gs pos="50000">
+                <a:schemeClr val="accent2">
+                  <a:shade val="67500"/>
+                  <a:satMod val="115000"/>
+                </a:schemeClr>
+              </a:gs>
+              <a:gs pos="100000">
+                <a:schemeClr val="accent2">
+                  <a:shade val="100000"/>
+                  <a:satMod val="115000"/>
+                </a:schemeClr>
+              </a:gs>
+            </a:gsLst>
+            <a:lin ang="10800000" scaled="1"/>
+            <a:tileRect/>
+          </a:gradFill>
+          <a:ln w="57150">
+            <a:noFill/>
+          </a:ln>
+        </p:spPr>
+        <p:style>
+          <a:lnRef idx="2">
+            <a:schemeClr val="accent1">
+              <a:shade val="15000"/>
+            </a:schemeClr>
+          </a:lnRef>
+          <a:fillRef idx="1">
+            <a:schemeClr val="accent1"/>
+          </a:fillRef>
+          <a:effectRef idx="0">
+            <a:schemeClr val="accent1"/>
+          </a:effectRef>
+          <a:fontRef idx="minor">
+            <a:schemeClr val="lt1"/>
+          </a:fontRef>
+        </p:style>
+        <p:txBody>
+          <a:bodyPr rtlCol="0" anchor="ctr"/>
+          <a:lstStyle/>
+          <a:p>
+            <a:pPr algn="ctr"/>
+            <a:endParaRPr lang="en-IN"/>
+          </a:p>
+        </p:txBody>
+      </p:sp>
+      <p:sp>
+        <p:nvSpPr>
+          <p:cNvPr id="40" name="Rectangle 39">
+            <a:extLst>
+              <a:ext uri="{FF2B5EF4-FFF2-40B4-BE49-F238E27FC236}">
+                <a16:creationId xmlns:a16="http://schemas.microsoft.com/office/drawing/2014/main" id="{CE82F6E8-54D6-0040-41A7-97B7CC0E2E9A}"/>
+              </a:ext>
+            </a:extLst>
+          </p:cNvPr>
+          <p:cNvSpPr/>
+          <p:nvPr/>
+        </p:nvSpPr>
+        <p:spPr>
+          <a:xfrm>
+            <a:off x="1536706" y="4385028"/>
+            <a:ext cx="438912" cy="438912"/>
+          </a:xfrm>
+          <a:prstGeom prst="rect">
+            <a:avLst/>
+          </a:prstGeom>
+          <a:gradFill flip="none" rotWithShape="1">
+            <a:gsLst>
+              <a:gs pos="0">
+                <a:schemeClr val="accent2">
+                  <a:shade val="30000"/>
+                  <a:satMod val="115000"/>
+                </a:schemeClr>
+              </a:gs>
+              <a:gs pos="50000">
+                <a:schemeClr val="accent2">
+                  <a:shade val="67500"/>
+                  <a:satMod val="115000"/>
+                </a:schemeClr>
+              </a:gs>
+              <a:gs pos="100000">
+                <a:schemeClr val="accent2">
+                  <a:shade val="100000"/>
+                  <a:satMod val="115000"/>
+                </a:schemeClr>
+              </a:gs>
+            </a:gsLst>
+            <a:lin ang="5400000" scaled="1"/>
+            <a:tileRect/>
+          </a:gradFill>
+          <a:ln w="57150">
+            <a:noFill/>
+          </a:ln>
+        </p:spPr>
+        <p:style>
+          <a:lnRef idx="2">
+            <a:schemeClr val="accent1">
+              <a:shade val="15000"/>
+            </a:schemeClr>
+          </a:lnRef>
+          <a:fillRef idx="1">
+            <a:schemeClr val="accent1"/>
+          </a:fillRef>
+          <a:effectRef idx="0">
+            <a:schemeClr val="accent1"/>
+          </a:effectRef>
+          <a:fontRef idx="minor">
+            <a:schemeClr val="lt1"/>
+          </a:fontRef>
+        </p:style>
+        <p:txBody>
+          <a:bodyPr rtlCol="0" anchor="ctr"/>
+          <a:lstStyle/>
+          <a:p>
+            <a:pPr algn="ctr"/>
+            <a:endParaRPr lang="en-IN"/>
+          </a:p>
+        </p:txBody>
+      </p:sp>
+      <p:sp>
+        <p:nvSpPr>
+          <p:cNvPr id="41" name="Isosceles Triangle 40">
+            <a:extLst>
+              <a:ext uri="{FF2B5EF4-FFF2-40B4-BE49-F238E27FC236}">
+                <a16:creationId xmlns:a16="http://schemas.microsoft.com/office/drawing/2014/main" id="{7EE9122C-CA76-D1DB-376E-4D2425C6AED9}"/>
+              </a:ext>
+            </a:extLst>
+          </p:cNvPr>
+          <p:cNvSpPr/>
+          <p:nvPr/>
+        </p:nvSpPr>
+        <p:spPr>
+          <a:xfrm>
+            <a:off x="1992215" y="4388074"/>
+            <a:ext cx="437905" cy="438912"/>
+          </a:xfrm>
+          <a:prstGeom prst="triangle">
+            <a:avLst/>
+          </a:prstGeom>
+          <a:gradFill flip="none" rotWithShape="1">
+            <a:gsLst>
+              <a:gs pos="0">
+                <a:schemeClr val="accent2">
+                  <a:shade val="30000"/>
+                  <a:satMod val="115000"/>
+                </a:schemeClr>
+              </a:gs>
+              <a:gs pos="50000">
+                <a:schemeClr val="accent2">
+                  <a:shade val="67500"/>
+                  <a:satMod val="115000"/>
+                </a:schemeClr>
+              </a:gs>
+              <a:gs pos="100000">
+                <a:schemeClr val="accent2">
+                  <a:shade val="100000"/>
+                  <a:satMod val="115000"/>
+                </a:schemeClr>
+              </a:gs>
+            </a:gsLst>
+            <a:lin ang="5400000" scaled="1"/>
+            <a:tileRect/>
+          </a:gradFill>
+          <a:ln>
+            <a:noFill/>
+          </a:ln>
+        </p:spPr>
+        <p:style>
+          <a:lnRef idx="2">
+            <a:schemeClr val="accent1">
+              <a:shade val="15000"/>
+            </a:schemeClr>
+          </a:lnRef>
+          <a:fillRef idx="1">
+            <a:schemeClr val="accent1"/>
+          </a:fillRef>
+          <a:effectRef idx="0">
+            <a:schemeClr val="accent1"/>
+          </a:effectRef>
+          <a:fontRef idx="minor">
+            <a:schemeClr val="lt1"/>
+          </a:fontRef>
+        </p:style>
+        <p:txBody>
+          <a:bodyPr rtlCol="0" anchor="ctr"/>
+          <a:lstStyle/>
+          <a:p>
+            <a:pPr algn="ctr"/>
+            <a:endParaRPr lang="en-IN"/>
+          </a:p>
+        </p:txBody>
+      </p:sp>
+      <p:sp>
+        <p:nvSpPr>
+          <p:cNvPr id="42" name="Isosceles Triangle 41">
+            <a:extLst>
+              <a:ext uri="{FF2B5EF4-FFF2-40B4-BE49-F238E27FC236}">
+                <a16:creationId xmlns:a16="http://schemas.microsoft.com/office/drawing/2014/main" id="{48AAFBA3-A316-BBAE-2BAC-08C3113F4449}"/>
+              </a:ext>
+            </a:extLst>
+          </p:cNvPr>
+          <p:cNvSpPr/>
+          <p:nvPr/>
+        </p:nvSpPr>
+        <p:spPr>
+          <a:xfrm rot="10800000">
+            <a:off x="2431127" y="4388074"/>
+            <a:ext cx="437905" cy="438912"/>
+          </a:xfrm>
+          <a:prstGeom prst="triangle">
+            <a:avLst/>
+          </a:prstGeom>
+          <a:gradFill flip="none" rotWithShape="1">
+            <a:gsLst>
+              <a:gs pos="0">
+                <a:schemeClr val="accent2">
+                  <a:shade val="30000"/>
+                  <a:satMod val="115000"/>
+                </a:schemeClr>
+              </a:gs>
+              <a:gs pos="50000">
+                <a:schemeClr val="accent2">
+                  <a:shade val="67500"/>
+                  <a:satMod val="115000"/>
+                </a:schemeClr>
+              </a:gs>
+              <a:gs pos="100000">
+                <a:schemeClr val="accent2">
+                  <a:shade val="100000"/>
+                  <a:satMod val="115000"/>
+                </a:schemeClr>
+              </a:gs>
+            </a:gsLst>
+            <a:lin ang="5400000" scaled="1"/>
+            <a:tileRect/>
+          </a:gradFill>
+          <a:ln>
+            <a:noFill/>
+          </a:ln>
+        </p:spPr>
+        <p:style>
+          <a:lnRef idx="2">
+            <a:schemeClr val="accent1">
+              <a:shade val="15000"/>
+            </a:schemeClr>
+          </a:lnRef>
+          <a:fillRef idx="1">
+            <a:schemeClr val="accent1"/>
+          </a:fillRef>
+          <a:effectRef idx="0">
+            <a:schemeClr val="accent1"/>
+          </a:effectRef>
+          <a:fontRef idx="minor">
+            <a:schemeClr val="lt1"/>
+          </a:fontRef>
+        </p:style>
+        <p:txBody>
+          <a:bodyPr rtlCol="0" anchor="ctr"/>
+          <a:lstStyle/>
+          <a:p>
+            <a:pPr algn="ctr"/>
+            <a:endParaRPr lang="en-IN"/>
+          </a:p>
+        </p:txBody>
+      </p:sp>
+      <p:sp>
+        <p:nvSpPr>
+          <p:cNvPr id="43" name="Rectangle 42">
+            <a:extLst>
+              <a:ext uri="{FF2B5EF4-FFF2-40B4-BE49-F238E27FC236}">
+                <a16:creationId xmlns:a16="http://schemas.microsoft.com/office/drawing/2014/main" id="{0407C48A-4E58-8975-96F8-0E0E4E9DBBC6}"/>
+              </a:ext>
+            </a:extLst>
+          </p:cNvPr>
+          <p:cNvSpPr/>
+          <p:nvPr/>
+        </p:nvSpPr>
+        <p:spPr>
+          <a:xfrm>
+            <a:off x="2211670" y="5306568"/>
+            <a:ext cx="438912" cy="438912"/>
+          </a:xfrm>
+          <a:prstGeom prst="rect">
+            <a:avLst/>
+          </a:prstGeom>
+          <a:solidFill>
+            <a:srgbClr val="6E2D0C"/>
+          </a:solidFill>
+          <a:ln w="57150">
+            <a:noFill/>
+          </a:ln>
+          <a:scene3d>
+            <a:camera prst="orthographicFront"/>
+            <a:lightRig rig="threePt" dir="t"/>
+          </a:scene3d>
+          <a:sp3d>
+            <a:bevelT prst="angle"/>
+          </a:sp3d>
+        </p:spPr>
+        <p:style>
+          <a:lnRef idx="2">
+            <a:schemeClr val="accent1">
+              <a:shade val="15000"/>
+            </a:schemeClr>
+          </a:lnRef>
+          <a:fillRef idx="1">
+            <a:schemeClr val="accent1"/>
+          </a:fillRef>
+          <a:effectRef idx="0">
+            <a:schemeClr val="accent1"/>
+          </a:effectRef>
+          <a:fontRef idx="minor">
+            <a:schemeClr val="lt1"/>
+          </a:fontRef>
+        </p:style>
+        <p:txBody>
+          <a:bodyPr rtlCol="0" anchor="ctr"/>
+          <a:lstStyle/>
+          <a:p>
+            <a:pPr algn="ctr"/>
+            <a:endParaRPr lang="en-IN"/>
+          </a:p>
+        </p:txBody>
+      </p:sp>
+      <p:sp>
+        <p:nvSpPr>
+          <p:cNvPr id="44" name="Rectangle 43">
+            <a:extLst>
+              <a:ext uri="{FF2B5EF4-FFF2-40B4-BE49-F238E27FC236}">
+                <a16:creationId xmlns:a16="http://schemas.microsoft.com/office/drawing/2014/main" id="{B4DE2BBC-CAF8-F8CE-FD18-B150FAFF012A}"/>
+              </a:ext>
+            </a:extLst>
+          </p:cNvPr>
+          <p:cNvSpPr/>
+          <p:nvPr/>
+        </p:nvSpPr>
+        <p:spPr>
+          <a:xfrm>
+            <a:off x="4052662" y="5456854"/>
+            <a:ext cx="438912" cy="438912"/>
+          </a:xfrm>
+          <a:prstGeom prst="rect">
+            <a:avLst/>
+          </a:prstGeom>
+          <a:solidFill>
+            <a:srgbClr val="9F4011"/>
+          </a:solidFill>
+          <a:ln w="57150">
+            <a:noFill/>
+          </a:ln>
+        </p:spPr>
+        <p:style>
+          <a:lnRef idx="2">
+            <a:schemeClr val="accent1">
+              <a:shade val="15000"/>
+            </a:schemeClr>
+          </a:lnRef>
+          <a:fillRef idx="1">
+            <a:schemeClr val="accent1"/>
+          </a:fillRef>
+          <a:effectRef idx="0">
+            <a:schemeClr val="accent1"/>
+          </a:effectRef>
+          <a:fontRef idx="minor">
+            <a:schemeClr val="lt1"/>
+          </a:fontRef>
+        </p:style>
+        <p:txBody>
+          <a:bodyPr rtlCol="0" anchor="ctr"/>
+          <a:lstStyle/>
+          <a:p>
+            <a:pPr algn="ctr"/>
+            <a:endParaRPr lang="en-IN"/>
+          </a:p>
+        </p:txBody>
+      </p:sp>
+      <p:grpSp>
+        <p:nvGrpSpPr>
+          <p:cNvPr id="47" name="Group 46">
+            <a:extLst>
+              <a:ext uri="{FF2B5EF4-FFF2-40B4-BE49-F238E27FC236}">
+                <a16:creationId xmlns:a16="http://schemas.microsoft.com/office/drawing/2014/main" id="{AEB98AAA-4622-154A-3477-FDC55644FC72}"/>
+              </a:ext>
+            </a:extLst>
+          </p:cNvPr>
+          <p:cNvGrpSpPr/>
+          <p:nvPr/>
+        </p:nvGrpSpPr>
+        <p:grpSpPr>
+          <a:xfrm>
+            <a:off x="4965192" y="5479094"/>
+            <a:ext cx="438912" cy="438912"/>
+            <a:chOff x="4843901" y="5621847"/>
+            <a:chExt cx="438912" cy="438912"/>
+          </a:xfrm>
+        </p:grpSpPr>
+        <p:sp>
+          <p:nvSpPr>
+            <p:cNvPr id="45" name="Rectangle 44">
+              <a:extLst>
+                <a:ext uri="{FF2B5EF4-FFF2-40B4-BE49-F238E27FC236}">
+                  <a16:creationId xmlns:a16="http://schemas.microsoft.com/office/drawing/2014/main" id="{B31ECD52-6B93-9B7C-D935-6393EE2443D2}"/>
+                </a:ext>
+              </a:extLst>
+            </p:cNvPr>
+            <p:cNvSpPr/>
+            <p:nvPr/>
+          </p:nvSpPr>
+          <p:spPr>
+            <a:xfrm>
+              <a:off x="4843901" y="5621847"/>
+              <a:ext cx="438912" cy="438912"/>
+            </a:xfrm>
+            <a:prstGeom prst="rect">
+              <a:avLst/>
+            </a:prstGeom>
+            <a:solidFill>
+              <a:srgbClr val="9F4011"/>
+            </a:solidFill>
+            <a:ln w="57150">
+              <a:noFill/>
+            </a:ln>
+          </p:spPr>
+          <p:style>
+            <a:lnRef idx="2">
+              <a:schemeClr val="accent1">
+                <a:shade val="15000"/>
+              </a:schemeClr>
+            </a:lnRef>
+            <a:fillRef idx="1">
+              <a:schemeClr val="accent1"/>
+            </a:fillRef>
+            <a:effectRef idx="0">
+              <a:schemeClr val="accent1"/>
+            </a:effectRef>
+            <a:fontRef idx="minor">
+              <a:schemeClr val="lt1"/>
+            </a:fontRef>
+          </p:style>
+          <p:txBody>
+            <a:bodyPr rtlCol="0" anchor="ctr"/>
+            <a:lstStyle/>
+            <a:p>
+              <a:pPr algn="ctr"/>
+              <a:endParaRPr lang="en-IN"/>
+            </a:p>
+          </p:txBody>
+        </p:sp>
+        <p:sp>
+          <p:nvSpPr>
+            <p:cNvPr id="46" name="Rectangle 45">
+              <a:extLst>
+                <a:ext uri="{FF2B5EF4-FFF2-40B4-BE49-F238E27FC236}">
+                  <a16:creationId xmlns:a16="http://schemas.microsoft.com/office/drawing/2014/main" id="{CD9C6C9A-0DA8-EA57-9676-DEDE7C8EEF32}"/>
+                </a:ext>
+              </a:extLst>
+            </p:cNvPr>
+            <p:cNvSpPr/>
+            <p:nvPr/>
+          </p:nvSpPr>
+          <p:spPr>
+            <a:xfrm>
+              <a:off x="4843901" y="5621847"/>
+              <a:ext cx="438912" cy="136226"/>
+            </a:xfrm>
+            <a:prstGeom prst="rect">
+              <a:avLst/>
+            </a:prstGeom>
+            <a:solidFill>
+              <a:srgbClr val="00B050"/>
+            </a:solidFill>
+            <a:ln w="57150">
+              <a:noFill/>
+            </a:ln>
+          </p:spPr>
+          <p:style>
+            <a:lnRef idx="2">
+              <a:schemeClr val="accent1">
+                <a:shade val="15000"/>
+              </a:schemeClr>
+            </a:lnRef>
+            <a:fillRef idx="1">
+              <a:schemeClr val="accent1"/>
+            </a:fillRef>
+            <a:effectRef idx="0">
+              <a:schemeClr val="accent1"/>
+            </a:effectRef>
+            <a:fontRef idx="minor">
+              <a:schemeClr val="lt1"/>
+            </a:fontRef>
+          </p:style>
+          <p:txBody>
+            <a:bodyPr rtlCol="0" anchor="ctr"/>
+            <a:lstStyle/>
+            <a:p>
+              <a:pPr algn="ctr"/>
+              <a:endParaRPr lang="en-IN"/>
+            </a:p>
+          </p:txBody>
+        </p:sp>
+      </p:grpSp>
+      <p:sp>
+        <p:nvSpPr>
+          <p:cNvPr id="48" name="Rectangle 47">
+            <a:extLst>
+              <a:ext uri="{FF2B5EF4-FFF2-40B4-BE49-F238E27FC236}">
+                <a16:creationId xmlns:a16="http://schemas.microsoft.com/office/drawing/2014/main" id="{6DBE41BC-3473-5366-D20F-37E112478A10}"/>
+              </a:ext>
+            </a:extLst>
+          </p:cNvPr>
+          <p:cNvSpPr/>
+          <p:nvPr/>
+        </p:nvSpPr>
+        <p:spPr>
+          <a:xfrm>
+            <a:off x="3310128" y="5591457"/>
+            <a:ext cx="438912" cy="438912"/>
+          </a:xfrm>
+          <a:prstGeom prst="rect">
+            <a:avLst/>
+          </a:prstGeom>
+          <a:solidFill>
+            <a:schemeClr val="accent1">
+              <a:lumMod val="75000"/>
+            </a:schemeClr>
+          </a:solidFill>
+          <a:ln w="57150">
+            <a:noFill/>
+          </a:ln>
+        </p:spPr>
+        <p:style>
+          <a:lnRef idx="2">
+            <a:schemeClr val="accent1">
+              <a:shade val="15000"/>
+            </a:schemeClr>
+          </a:lnRef>
+          <a:fillRef idx="1">
+            <a:schemeClr val="accent1"/>
+          </a:fillRef>
+          <a:effectRef idx="0">
+            <a:schemeClr val="accent1"/>
+          </a:effectRef>
+          <a:fontRef idx="minor">
+            <a:schemeClr val="lt1"/>
+          </a:fontRef>
+        </p:style>
+        <p:txBody>
+          <a:bodyPr rtlCol="0" anchor="ctr"/>
+          <a:lstStyle/>
+          <a:p>
+            <a:pPr algn="ctr"/>
+            <a:endParaRPr lang="en-IN"/>
+          </a:p>
+        </p:txBody>
+      </p:sp>
+      <p:sp>
+        <p:nvSpPr>
+          <p:cNvPr id="51" name="Rectangle 50">
+            <a:extLst>
+              <a:ext uri="{FF2B5EF4-FFF2-40B4-BE49-F238E27FC236}">
+                <a16:creationId xmlns:a16="http://schemas.microsoft.com/office/drawing/2014/main" id="{045AB136-82B9-1A1B-6726-CFD3586BD41E}"/>
+              </a:ext>
+            </a:extLst>
+          </p:cNvPr>
+          <p:cNvSpPr/>
+          <p:nvPr/>
+        </p:nvSpPr>
+        <p:spPr>
+          <a:xfrm>
+            <a:off x="4059017" y="6011226"/>
+            <a:ext cx="438912" cy="438912"/>
+          </a:xfrm>
+          <a:prstGeom prst="rect">
+            <a:avLst/>
+          </a:prstGeom>
+          <a:gradFill flip="none" rotWithShape="1">
+            <a:gsLst>
+              <a:gs pos="0">
+                <a:srgbClr val="9F4011">
+                  <a:shade val="30000"/>
+                  <a:satMod val="115000"/>
+                </a:srgbClr>
+              </a:gs>
+              <a:gs pos="50000">
+                <a:srgbClr val="9F4011">
+                  <a:shade val="67500"/>
+                  <a:satMod val="115000"/>
+                </a:srgbClr>
+              </a:gs>
+              <a:gs pos="100000">
+                <a:srgbClr val="9F4011"/>
+              </a:gs>
+            </a:gsLst>
+            <a:lin ang="16200000" scaled="1"/>
+            <a:tileRect/>
+          </a:gradFill>
+          <a:ln w="57150">
+            <a:noFill/>
+          </a:ln>
+        </p:spPr>
+        <p:style>
+          <a:lnRef idx="2">
+            <a:schemeClr val="accent1">
+              <a:shade val="15000"/>
+            </a:schemeClr>
+          </a:lnRef>
+          <a:fillRef idx="1">
+            <a:schemeClr val="accent1"/>
+          </a:fillRef>
+          <a:effectRef idx="0">
+            <a:schemeClr val="accent1"/>
+          </a:effectRef>
+          <a:fontRef idx="minor">
+            <a:schemeClr val="lt1"/>
+          </a:fontRef>
+        </p:style>
+        <p:txBody>
+          <a:bodyPr rtlCol="0" anchor="ctr"/>
+          <a:lstStyle/>
+          <a:p>
+            <a:pPr algn="ctr"/>
+            <a:endParaRPr lang="en-IN"/>
+          </a:p>
+        </p:txBody>
+      </p:sp>
+      <p:sp>
+        <p:nvSpPr>
+          <p:cNvPr id="52" name="Rectangle 51">
+            <a:extLst>
+              <a:ext uri="{FF2B5EF4-FFF2-40B4-BE49-F238E27FC236}">
+                <a16:creationId xmlns:a16="http://schemas.microsoft.com/office/drawing/2014/main" id="{5FAB05A2-FAAE-D525-A2F0-0E21179A0926}"/>
+              </a:ext>
+            </a:extLst>
+          </p:cNvPr>
+          <p:cNvSpPr/>
+          <p:nvPr/>
+        </p:nvSpPr>
+        <p:spPr>
+          <a:xfrm>
+            <a:off x="4745736" y="6030369"/>
+            <a:ext cx="438912" cy="438912"/>
+          </a:xfrm>
+          <a:prstGeom prst="rect">
+            <a:avLst/>
+          </a:prstGeom>
+          <a:gradFill flip="none" rotWithShape="1">
+            <a:gsLst>
+              <a:gs pos="0">
+                <a:srgbClr val="9F4011">
+                  <a:shade val="30000"/>
+                  <a:satMod val="115000"/>
+                </a:srgbClr>
+              </a:gs>
+              <a:gs pos="50000">
+                <a:srgbClr val="9F4011">
+                  <a:shade val="67500"/>
+                  <a:satMod val="115000"/>
+                </a:srgbClr>
+              </a:gs>
+              <a:gs pos="100000">
+                <a:srgbClr val="9F4011"/>
+              </a:gs>
+            </a:gsLst>
+            <a:lin ang="10800000" scaled="1"/>
+            <a:tileRect/>
+          </a:gradFill>
+          <a:ln w="57150">
+            <a:noFill/>
+          </a:ln>
+        </p:spPr>
+        <p:style>
+          <a:lnRef idx="2">
+            <a:schemeClr val="accent1">
+              <a:shade val="15000"/>
+            </a:schemeClr>
+          </a:lnRef>
+          <a:fillRef idx="1">
+            <a:schemeClr val="accent1"/>
+          </a:fillRef>
+          <a:effectRef idx="0">
+            <a:schemeClr val="accent1"/>
+          </a:effectRef>
+          <a:fontRef idx="minor">
+            <a:schemeClr val="lt1"/>
+          </a:fontRef>
+        </p:style>
+        <p:txBody>
+          <a:bodyPr rtlCol="0" anchor="ctr"/>
+          <a:lstStyle/>
+          <a:p>
+            <a:pPr algn="ctr"/>
+            <a:endParaRPr lang="en-IN"/>
+          </a:p>
+        </p:txBody>
+      </p:sp>
+      <p:sp>
+        <p:nvSpPr>
+          <p:cNvPr id="53" name="Rectangle 52">
+            <a:extLst>
+              <a:ext uri="{FF2B5EF4-FFF2-40B4-BE49-F238E27FC236}">
+                <a16:creationId xmlns:a16="http://schemas.microsoft.com/office/drawing/2014/main" id="{478E91C7-C12B-C3CE-4A4D-D2A1A29B4BCF}"/>
+              </a:ext>
+            </a:extLst>
+          </p:cNvPr>
+          <p:cNvSpPr/>
+          <p:nvPr/>
+        </p:nvSpPr>
+        <p:spPr>
+          <a:xfrm>
+            <a:off x="5404104" y="6030369"/>
+            <a:ext cx="438912" cy="438912"/>
+          </a:xfrm>
+          <a:prstGeom prst="rect">
+            <a:avLst/>
+          </a:prstGeom>
+          <a:gradFill flip="none" rotWithShape="1">
+            <a:gsLst>
+              <a:gs pos="0">
+                <a:srgbClr val="9F4011">
+                  <a:shade val="30000"/>
+                  <a:satMod val="115000"/>
+                </a:srgbClr>
+              </a:gs>
+              <a:gs pos="50000">
+                <a:srgbClr val="9F4011">
+                  <a:shade val="67500"/>
+                  <a:satMod val="115000"/>
+                </a:srgbClr>
+              </a:gs>
+              <a:gs pos="100000">
+                <a:srgbClr val="9F4011"/>
+              </a:gs>
+            </a:gsLst>
+            <a:lin ang="5400000" scaled="1"/>
+            <a:tileRect/>
+          </a:gradFill>
+          <a:ln w="57150">
+            <a:noFill/>
+          </a:ln>
+        </p:spPr>
+        <p:style>
+          <a:lnRef idx="2">
+            <a:schemeClr val="accent1">
+              <a:shade val="15000"/>
+            </a:schemeClr>
+          </a:lnRef>
+          <a:fillRef idx="1">
+            <a:schemeClr val="accent1"/>
+          </a:fillRef>
+          <a:effectRef idx="0">
+            <a:schemeClr val="accent1"/>
+          </a:effectRef>
+          <a:fontRef idx="minor">
+            <a:schemeClr val="lt1"/>
+          </a:fontRef>
+        </p:style>
+        <p:txBody>
+          <a:bodyPr rtlCol="0" anchor="ctr"/>
+          <a:lstStyle/>
+          <a:p>
+            <a:pPr algn="ctr"/>
+            <a:endParaRPr lang="en-IN"/>
+          </a:p>
+        </p:txBody>
+      </p:sp>
+      <p:sp>
+        <p:nvSpPr>
+          <p:cNvPr id="54" name="Rectangle 53">
+            <a:extLst>
+              <a:ext uri="{FF2B5EF4-FFF2-40B4-BE49-F238E27FC236}">
+                <a16:creationId xmlns:a16="http://schemas.microsoft.com/office/drawing/2014/main" id="{2C7F68E2-8AD5-19C5-D829-F29B7DA97D90}"/>
+              </a:ext>
+            </a:extLst>
+          </p:cNvPr>
+          <p:cNvSpPr/>
+          <p:nvPr/>
+        </p:nvSpPr>
+        <p:spPr>
+          <a:xfrm>
+            <a:off x="6129530" y="6030369"/>
+            <a:ext cx="438912" cy="438912"/>
+          </a:xfrm>
+          <a:prstGeom prst="rect">
+            <a:avLst/>
+          </a:prstGeom>
+          <a:gradFill flip="none" rotWithShape="1">
+            <a:gsLst>
+              <a:gs pos="0">
+                <a:srgbClr val="9F4011">
+                  <a:shade val="30000"/>
+                  <a:satMod val="115000"/>
+                </a:srgbClr>
+              </a:gs>
+              <a:gs pos="50000">
+                <a:srgbClr val="9F4011">
+                  <a:shade val="67500"/>
+                  <a:satMod val="115000"/>
+                </a:srgbClr>
+              </a:gs>
+              <a:gs pos="100000">
+                <a:srgbClr val="9F4011"/>
+              </a:gs>
+            </a:gsLst>
+            <a:lin ang="0" scaled="1"/>
+            <a:tileRect/>
+          </a:gradFill>
+          <a:ln w="57150">
+            <a:noFill/>
+          </a:ln>
+        </p:spPr>
+        <p:style>
+          <a:lnRef idx="2">
+            <a:schemeClr val="accent1">
+              <a:shade val="15000"/>
+            </a:schemeClr>
+          </a:lnRef>
+          <a:fillRef idx="1">
+            <a:schemeClr val="accent1"/>
+          </a:fillRef>
+          <a:effectRef idx="0">
+            <a:schemeClr val="accent1"/>
+          </a:effectRef>
+          <a:fontRef idx="minor">
+            <a:schemeClr val="lt1"/>
+          </a:fontRef>
+        </p:style>
+        <p:txBody>
+          <a:bodyPr rtlCol="0" anchor="ctr"/>
+          <a:lstStyle/>
+          <a:p>
+            <a:pPr algn="ctr"/>
+            <a:endParaRPr lang="en-IN"/>
+          </a:p>
+        </p:txBody>
+      </p:sp>
+      <p:grpSp>
+        <p:nvGrpSpPr>
+          <p:cNvPr id="55" name="Group 54">
+            <a:extLst>
+              <a:ext uri="{FF2B5EF4-FFF2-40B4-BE49-F238E27FC236}">
+                <a16:creationId xmlns:a16="http://schemas.microsoft.com/office/drawing/2014/main" id="{C3439AA6-D1CC-C2B9-FE28-52B136E1922B}"/>
+              </a:ext>
+            </a:extLst>
+          </p:cNvPr>
+          <p:cNvGrpSpPr/>
+          <p:nvPr/>
+        </p:nvGrpSpPr>
+        <p:grpSpPr>
+          <a:xfrm>
+            <a:off x="5724179" y="5492220"/>
+            <a:ext cx="438912" cy="438912"/>
+            <a:chOff x="4843901" y="5621847"/>
+            <a:chExt cx="438912" cy="438912"/>
+          </a:xfrm>
+        </p:grpSpPr>
+        <p:sp>
+          <p:nvSpPr>
+            <p:cNvPr id="56" name="Rectangle 55">
+              <a:extLst>
+                <a:ext uri="{FF2B5EF4-FFF2-40B4-BE49-F238E27FC236}">
+                  <a16:creationId xmlns:a16="http://schemas.microsoft.com/office/drawing/2014/main" id="{86C8A912-9111-6038-62F5-3AB561DD7F24}"/>
+                </a:ext>
+              </a:extLst>
+            </p:cNvPr>
+            <p:cNvSpPr/>
+            <p:nvPr/>
+          </p:nvSpPr>
+          <p:spPr>
+            <a:xfrm>
+              <a:off x="4843901" y="5621847"/>
+              <a:ext cx="438912" cy="438912"/>
+            </a:xfrm>
+            <a:prstGeom prst="rect">
+              <a:avLst/>
+            </a:prstGeom>
+            <a:gradFill flip="none" rotWithShape="1">
+              <a:gsLst>
+                <a:gs pos="0">
+                  <a:srgbClr val="9F4011">
+                    <a:shade val="30000"/>
+                    <a:satMod val="115000"/>
+                  </a:srgbClr>
+                </a:gs>
+                <a:gs pos="50000">
+                  <a:srgbClr val="9F4011">
+                    <a:shade val="67500"/>
+                    <a:satMod val="115000"/>
+                  </a:srgbClr>
+                </a:gs>
+                <a:gs pos="100000">
+                  <a:srgbClr val="9F4011">
+                    <a:shade val="100000"/>
+                    <a:satMod val="115000"/>
+                  </a:srgbClr>
+                </a:gs>
+              </a:gsLst>
+              <a:lin ang="16200000" scaled="1"/>
+              <a:tileRect/>
+            </a:gradFill>
+            <a:ln w="57150">
+              <a:noFill/>
+            </a:ln>
+          </p:spPr>
+          <p:style>
+            <a:lnRef idx="2">
+              <a:schemeClr val="accent1">
+                <a:shade val="15000"/>
+              </a:schemeClr>
+            </a:lnRef>
+            <a:fillRef idx="1">
+              <a:schemeClr val="accent1"/>
+            </a:fillRef>
+            <a:effectRef idx="0">
+              <a:schemeClr val="accent1"/>
+            </a:effectRef>
+            <a:fontRef idx="minor">
+              <a:schemeClr val="lt1"/>
+            </a:fontRef>
+          </p:style>
+          <p:txBody>
+            <a:bodyPr rtlCol="0" anchor="ctr"/>
+            <a:lstStyle/>
+            <a:p>
+              <a:pPr algn="ctr"/>
+              <a:endParaRPr lang="en-IN"/>
+            </a:p>
+          </p:txBody>
+        </p:sp>
+        <p:sp>
+          <p:nvSpPr>
+            <p:cNvPr id="57" name="Rectangle 56">
+              <a:extLst>
+                <a:ext uri="{FF2B5EF4-FFF2-40B4-BE49-F238E27FC236}">
+                  <a16:creationId xmlns:a16="http://schemas.microsoft.com/office/drawing/2014/main" id="{53EE3964-62F5-870C-AA72-C1616851CC3C}"/>
+                </a:ext>
+              </a:extLst>
+            </p:cNvPr>
+            <p:cNvSpPr/>
+            <p:nvPr/>
+          </p:nvSpPr>
+          <p:spPr>
+            <a:xfrm>
+              <a:off x="4843901" y="5621847"/>
+              <a:ext cx="438912" cy="136226"/>
+            </a:xfrm>
+            <a:prstGeom prst="rect">
+              <a:avLst/>
+            </a:prstGeom>
+            <a:solidFill>
+              <a:srgbClr val="00B050"/>
+            </a:solidFill>
+            <a:ln w="57150">
+              <a:noFill/>
+            </a:ln>
+          </p:spPr>
+          <p:style>
+            <a:lnRef idx="2">
+              <a:schemeClr val="accent1">
+                <a:shade val="15000"/>
+              </a:schemeClr>
+            </a:lnRef>
+            <a:fillRef idx="1">
+              <a:schemeClr val="accent1"/>
+            </a:fillRef>
+            <a:effectRef idx="0">
+              <a:schemeClr val="accent1"/>
+            </a:effectRef>
+            <a:fontRef idx="minor">
+              <a:schemeClr val="lt1"/>
+            </a:fontRef>
+          </p:style>
+          <p:txBody>
+            <a:bodyPr rtlCol="0" anchor="ctr"/>
+            <a:lstStyle/>
+            <a:p>
+              <a:pPr algn="ctr"/>
+              <a:endParaRPr lang="en-IN"/>
+            </a:p>
+          </p:txBody>
+        </p:sp>
+      </p:grpSp>
+      <p:grpSp>
+        <p:nvGrpSpPr>
+          <p:cNvPr id="64" name="Group 63">
+            <a:extLst>
+              <a:ext uri="{FF2B5EF4-FFF2-40B4-BE49-F238E27FC236}">
+                <a16:creationId xmlns:a16="http://schemas.microsoft.com/office/drawing/2014/main" id="{750778CA-3BA3-8A3D-F4CB-0A35CFD9B504}"/>
+              </a:ext>
+            </a:extLst>
+          </p:cNvPr>
+          <p:cNvGrpSpPr/>
+          <p:nvPr/>
+        </p:nvGrpSpPr>
+        <p:grpSpPr>
+          <a:xfrm>
+            <a:off x="3773424" y="77027"/>
+            <a:ext cx="2755392" cy="2755392"/>
+            <a:chOff x="3773424" y="77027"/>
+            <a:chExt cx="2755392" cy="2755392"/>
+          </a:xfrm>
+        </p:grpSpPr>
+        <p:sp>
+          <p:nvSpPr>
+            <p:cNvPr id="59" name="Oval 58">
+              <a:extLst>
+                <a:ext uri="{FF2B5EF4-FFF2-40B4-BE49-F238E27FC236}">
+                  <a16:creationId xmlns:a16="http://schemas.microsoft.com/office/drawing/2014/main" id="{D45A304A-9473-61B7-D4BF-AEFA6146465F}"/>
+                </a:ext>
+              </a:extLst>
+            </p:cNvPr>
+            <p:cNvSpPr/>
+            <p:nvPr/>
+          </p:nvSpPr>
+          <p:spPr>
+            <a:xfrm>
+              <a:off x="3773424" y="77027"/>
+              <a:ext cx="2755392" cy="2755392"/>
+            </a:xfrm>
+            <a:prstGeom prst="ellipse">
+              <a:avLst/>
+            </a:prstGeom>
+            <a:gradFill flip="none" rotWithShape="1">
+              <a:gsLst>
+                <a:gs pos="0">
+                  <a:srgbClr val="00B0F0">
+                    <a:shade val="30000"/>
+                    <a:satMod val="115000"/>
+                  </a:srgbClr>
+                </a:gs>
+                <a:gs pos="50000">
+                  <a:srgbClr val="00B0F0">
+                    <a:shade val="67500"/>
+                    <a:satMod val="115000"/>
+                  </a:srgbClr>
+                </a:gs>
+                <a:gs pos="100000">
+                  <a:srgbClr val="00B0F0">
+                    <a:shade val="100000"/>
+                    <a:satMod val="115000"/>
+                  </a:srgbClr>
+                </a:gs>
+              </a:gsLst>
+              <a:lin ang="16200000" scaled="1"/>
+              <a:tileRect/>
+            </a:gradFill>
+            <a:ln>
+              <a:noFill/>
+            </a:ln>
+          </p:spPr>
+          <p:style>
+            <a:lnRef idx="2">
+              <a:schemeClr val="accent1">
+                <a:shade val="15000"/>
+              </a:schemeClr>
+            </a:lnRef>
+            <a:fillRef idx="1">
+              <a:schemeClr val="accent1"/>
+            </a:fillRef>
+            <a:effectRef idx="0">
+              <a:schemeClr val="accent1"/>
+            </a:effectRef>
+            <a:fontRef idx="minor">
+              <a:schemeClr val="lt1"/>
+            </a:fontRef>
+          </p:style>
+          <p:txBody>
+            <a:bodyPr rtlCol="0" anchor="ctr"/>
+            <a:lstStyle/>
+            <a:p>
+              <a:pPr algn="ctr"/>
+              <a:endParaRPr lang="en-IN"/>
+            </a:p>
+          </p:txBody>
+        </p:sp>
+        <p:sp>
+          <p:nvSpPr>
+            <p:cNvPr id="62" name="TextBox 61">
+              <a:extLst>
+                <a:ext uri="{FF2B5EF4-FFF2-40B4-BE49-F238E27FC236}">
+                  <a16:creationId xmlns:a16="http://schemas.microsoft.com/office/drawing/2014/main" id="{865EC4FC-A538-28B7-AD5F-A8054255F123}"/>
+                </a:ext>
+              </a:extLst>
+            </p:cNvPr>
+            <p:cNvSpPr txBox="1"/>
+            <p:nvPr/>
+          </p:nvSpPr>
+          <p:spPr>
+            <a:xfrm>
+              <a:off x="4296559" y="854558"/>
+              <a:ext cx="1709122" cy="1200329"/>
+            </a:xfrm>
+            <a:prstGeom prst="rect">
+              <a:avLst/>
+            </a:prstGeom>
+            <a:noFill/>
+          </p:spPr>
+          <p:txBody>
+            <a:bodyPr wrap="none" rtlCol="0">
+              <a:spAutoFit/>
+            </a:bodyPr>
+            <a:lstStyle/>
+            <a:p>
+              <a:r>
+                <a:rPr lang="en-IN" sz="7200" dirty="0">
+                  <a:solidFill>
+                    <a:srgbClr val="FFFF00"/>
+                  </a:solidFill>
+                  <a:latin typeface="Consolas" panose="020B0609020204030204" pitchFamily="49" charset="0"/>
+                </a:rPr>
+                <a:t>&lt; &gt;</a:t>
+              </a:r>
+            </a:p>
+          </p:txBody>
+        </p:sp>
+        <p:sp>
+          <p:nvSpPr>
+            <p:cNvPr id="63" name="TextBox 62">
+              <a:extLst>
+                <a:ext uri="{FF2B5EF4-FFF2-40B4-BE49-F238E27FC236}">
+                  <a16:creationId xmlns:a16="http://schemas.microsoft.com/office/drawing/2014/main" id="{C3870D31-9E73-EE29-B1C5-8F3A0E30337C}"/>
+                </a:ext>
+              </a:extLst>
+            </p:cNvPr>
+            <p:cNvSpPr txBox="1"/>
+            <p:nvPr/>
+          </p:nvSpPr>
+          <p:spPr>
+            <a:xfrm>
+              <a:off x="4653228" y="523699"/>
+              <a:ext cx="995785" cy="1862048"/>
+            </a:xfrm>
+            <a:prstGeom prst="rect">
+              <a:avLst/>
+            </a:prstGeom>
+            <a:noFill/>
+          </p:spPr>
+          <p:txBody>
+            <a:bodyPr wrap="none" rtlCol="0">
+              <a:spAutoFit/>
+            </a:bodyPr>
+            <a:lstStyle/>
+            <a:p>
+              <a:r>
+                <a:rPr lang="en-IN" sz="11500" dirty="0">
+                  <a:solidFill>
+                    <a:srgbClr val="FFC000"/>
+                  </a:solidFill>
+                  <a:latin typeface="Consolas" panose="020B0609020204030204" pitchFamily="49" charset="0"/>
+                </a:rPr>
+                <a:t>/</a:t>
+              </a:r>
+            </a:p>
+          </p:txBody>
+        </p:sp>
+      </p:grpSp>
+      <p:grpSp>
+        <p:nvGrpSpPr>
+          <p:cNvPr id="58" name="Group 57">
+            <a:extLst>
+              <a:ext uri="{FF2B5EF4-FFF2-40B4-BE49-F238E27FC236}">
+                <a16:creationId xmlns:a16="http://schemas.microsoft.com/office/drawing/2014/main" id="{4FC170BA-536F-EEB3-D399-BE1A659FD7B4}"/>
+              </a:ext>
+            </a:extLst>
+          </p:cNvPr>
+          <p:cNvGrpSpPr/>
+          <p:nvPr/>
+        </p:nvGrpSpPr>
+        <p:grpSpPr>
+          <a:xfrm rot="10800000">
+            <a:off x="7416905" y="5711676"/>
+            <a:ext cx="438912" cy="438912"/>
+            <a:chOff x="4843901" y="5621847"/>
+            <a:chExt cx="438912" cy="438912"/>
+          </a:xfrm>
+        </p:grpSpPr>
+        <p:sp>
+          <p:nvSpPr>
+            <p:cNvPr id="60" name="Rectangle 59">
+              <a:extLst>
+                <a:ext uri="{FF2B5EF4-FFF2-40B4-BE49-F238E27FC236}">
+                  <a16:creationId xmlns:a16="http://schemas.microsoft.com/office/drawing/2014/main" id="{CACC3B51-3480-B467-FBB7-D4824DB2A227}"/>
+                </a:ext>
+              </a:extLst>
+            </p:cNvPr>
+            <p:cNvSpPr/>
+            <p:nvPr/>
+          </p:nvSpPr>
+          <p:spPr>
+            <a:xfrm>
+              <a:off x="4843901" y="5621847"/>
+              <a:ext cx="438912" cy="438912"/>
+            </a:xfrm>
+            <a:prstGeom prst="rect">
+              <a:avLst/>
+            </a:prstGeom>
+            <a:gradFill flip="none" rotWithShape="1">
+              <a:gsLst>
+                <a:gs pos="0">
+                  <a:srgbClr val="9F4011">
+                    <a:shade val="30000"/>
+                    <a:satMod val="115000"/>
+                  </a:srgbClr>
+                </a:gs>
+                <a:gs pos="50000">
+                  <a:srgbClr val="9F4011">
+                    <a:shade val="67500"/>
+                    <a:satMod val="115000"/>
+                  </a:srgbClr>
+                </a:gs>
+                <a:gs pos="100000">
+                  <a:srgbClr val="9F4011">
+                    <a:shade val="100000"/>
+                    <a:satMod val="115000"/>
+                  </a:srgbClr>
+                </a:gs>
+              </a:gsLst>
+              <a:lin ang="16200000" scaled="1"/>
+              <a:tileRect/>
+            </a:gradFill>
+            <a:ln w="57150">
+              <a:noFill/>
+            </a:ln>
+          </p:spPr>
+          <p:style>
+            <a:lnRef idx="2">
+              <a:schemeClr val="accent1">
+                <a:shade val="15000"/>
+              </a:schemeClr>
+            </a:lnRef>
+            <a:fillRef idx="1">
+              <a:schemeClr val="accent1"/>
+            </a:fillRef>
+            <a:effectRef idx="0">
+              <a:schemeClr val="accent1"/>
+            </a:effectRef>
+            <a:fontRef idx="minor">
+              <a:schemeClr val="lt1"/>
+            </a:fontRef>
+          </p:style>
+          <p:txBody>
+            <a:bodyPr rtlCol="0" anchor="ctr"/>
+            <a:lstStyle/>
+            <a:p>
+              <a:pPr algn="ctr"/>
+              <a:endParaRPr lang="en-IN"/>
+            </a:p>
+          </p:txBody>
+        </p:sp>
+        <p:sp>
+          <p:nvSpPr>
+            <p:cNvPr id="61" name="Rectangle 60">
+              <a:extLst>
+                <a:ext uri="{FF2B5EF4-FFF2-40B4-BE49-F238E27FC236}">
+                  <a16:creationId xmlns:a16="http://schemas.microsoft.com/office/drawing/2014/main" id="{08E4F05C-2DBA-2888-FB2A-8B7D3D8DCE91}"/>
+                </a:ext>
+              </a:extLst>
+            </p:cNvPr>
+            <p:cNvSpPr/>
+            <p:nvPr/>
+          </p:nvSpPr>
+          <p:spPr>
+            <a:xfrm>
+              <a:off x="4843901" y="5621847"/>
+              <a:ext cx="438912" cy="136226"/>
+            </a:xfrm>
+            <a:prstGeom prst="rect">
+              <a:avLst/>
+            </a:prstGeom>
+            <a:solidFill>
+              <a:srgbClr val="00B050"/>
+            </a:solidFill>
+            <a:ln w="57150">
+              <a:noFill/>
+            </a:ln>
+          </p:spPr>
+          <p:style>
+            <a:lnRef idx="2">
+              <a:schemeClr val="accent1">
+                <a:shade val="15000"/>
+              </a:schemeClr>
+            </a:lnRef>
+            <a:fillRef idx="1">
+              <a:schemeClr val="accent1"/>
+            </a:fillRef>
+            <a:effectRef idx="0">
+              <a:schemeClr val="accent1"/>
+            </a:effectRef>
+            <a:fontRef idx="minor">
+              <a:schemeClr val="lt1"/>
+            </a:fontRef>
+          </p:style>
+          <p:txBody>
+            <a:bodyPr rtlCol="0" anchor="ctr"/>
+            <a:lstStyle/>
+            <a:p>
+              <a:pPr algn="ctr"/>
+              <a:endParaRPr lang="en-IN"/>
+            </a:p>
+          </p:txBody>
+        </p:sp>
+      </p:grpSp>
+      <p:grpSp>
+        <p:nvGrpSpPr>
+          <p:cNvPr id="65" name="Group 64">
+            <a:extLst>
+              <a:ext uri="{FF2B5EF4-FFF2-40B4-BE49-F238E27FC236}">
+                <a16:creationId xmlns:a16="http://schemas.microsoft.com/office/drawing/2014/main" id="{30F2834B-3EF3-4467-AFF0-5818E256A291}"/>
+              </a:ext>
+            </a:extLst>
+          </p:cNvPr>
+          <p:cNvGrpSpPr/>
+          <p:nvPr/>
+        </p:nvGrpSpPr>
+        <p:grpSpPr>
+          <a:xfrm rot="10800000">
+            <a:off x="8310016" y="5753150"/>
+            <a:ext cx="438912" cy="438912"/>
+            <a:chOff x="4843901" y="5621847"/>
+            <a:chExt cx="438912" cy="438912"/>
+          </a:xfrm>
+        </p:grpSpPr>
+        <p:sp>
+          <p:nvSpPr>
+            <p:cNvPr id="66" name="Rectangle 65">
+              <a:extLst>
+                <a:ext uri="{FF2B5EF4-FFF2-40B4-BE49-F238E27FC236}">
+                  <a16:creationId xmlns:a16="http://schemas.microsoft.com/office/drawing/2014/main" id="{74A2C9EB-C99D-9BAE-0021-6862D416582D}"/>
+                </a:ext>
+              </a:extLst>
+            </p:cNvPr>
+            <p:cNvSpPr/>
+            <p:nvPr/>
+          </p:nvSpPr>
+          <p:spPr>
+            <a:xfrm>
+              <a:off x="4843901" y="5621847"/>
+              <a:ext cx="438912" cy="438912"/>
+            </a:xfrm>
+            <a:prstGeom prst="rect">
+              <a:avLst/>
+            </a:prstGeom>
+            <a:solidFill>
+              <a:srgbClr val="9F4011"/>
+            </a:solidFill>
+            <a:ln w="57150">
+              <a:noFill/>
+            </a:ln>
+          </p:spPr>
+          <p:style>
+            <a:lnRef idx="2">
+              <a:schemeClr val="accent1">
+                <a:shade val="15000"/>
+              </a:schemeClr>
+            </a:lnRef>
+            <a:fillRef idx="1">
+              <a:schemeClr val="accent1"/>
+            </a:fillRef>
+            <a:effectRef idx="0">
+              <a:schemeClr val="accent1"/>
+            </a:effectRef>
+            <a:fontRef idx="minor">
+              <a:schemeClr val="lt1"/>
+            </a:fontRef>
+          </p:style>
+          <p:txBody>
+            <a:bodyPr rtlCol="0" anchor="ctr"/>
+            <a:lstStyle/>
+            <a:p>
+              <a:pPr algn="ctr"/>
+              <a:endParaRPr lang="en-IN"/>
+            </a:p>
+          </p:txBody>
+        </p:sp>
+        <p:sp>
+          <p:nvSpPr>
+            <p:cNvPr id="67" name="Rectangle 66">
+              <a:extLst>
+                <a:ext uri="{FF2B5EF4-FFF2-40B4-BE49-F238E27FC236}">
+                  <a16:creationId xmlns:a16="http://schemas.microsoft.com/office/drawing/2014/main" id="{0599DB33-676B-8AC9-8CF8-EC1AE937F1F6}"/>
+                </a:ext>
+              </a:extLst>
+            </p:cNvPr>
+            <p:cNvSpPr/>
+            <p:nvPr/>
+          </p:nvSpPr>
+          <p:spPr>
+            <a:xfrm>
+              <a:off x="4843901" y="5621847"/>
+              <a:ext cx="438912" cy="136226"/>
+            </a:xfrm>
+            <a:prstGeom prst="rect">
+              <a:avLst/>
+            </a:prstGeom>
+            <a:solidFill>
+              <a:srgbClr val="00B050"/>
+            </a:solidFill>
+            <a:ln w="57150">
+              <a:noFill/>
+            </a:ln>
+          </p:spPr>
+          <p:style>
+            <a:lnRef idx="2">
+              <a:schemeClr val="accent1">
+                <a:shade val="15000"/>
+              </a:schemeClr>
+            </a:lnRef>
+            <a:fillRef idx="1">
+              <a:schemeClr val="accent1"/>
+            </a:fillRef>
+            <a:effectRef idx="0">
+              <a:schemeClr val="accent1"/>
+            </a:effectRef>
+            <a:fontRef idx="minor">
+              <a:schemeClr val="lt1"/>
+            </a:fontRef>
+          </p:style>
+          <p:txBody>
+            <a:bodyPr rtlCol="0" anchor="ctr"/>
+            <a:lstStyle/>
+            <a:p>
+              <a:pPr algn="ctr"/>
+              <a:endParaRPr lang="en-IN"/>
+            </a:p>
+          </p:txBody>
+        </p:sp>
+      </p:grpSp>
+      <p:sp>
+        <p:nvSpPr>
+          <p:cNvPr id="68" name="Isosceles Triangle 67">
+            <a:extLst>
+              <a:ext uri="{FF2B5EF4-FFF2-40B4-BE49-F238E27FC236}">
+                <a16:creationId xmlns:a16="http://schemas.microsoft.com/office/drawing/2014/main" id="{06B9B702-A87C-36C2-75D1-38E625CE13A0}"/>
+              </a:ext>
+            </a:extLst>
+          </p:cNvPr>
+          <p:cNvSpPr/>
+          <p:nvPr/>
+        </p:nvSpPr>
+        <p:spPr>
+          <a:xfrm>
+            <a:off x="4049123" y="4525023"/>
+            <a:ext cx="437905" cy="438912"/>
+          </a:xfrm>
+          <a:prstGeom prst="triangle">
+            <a:avLst/>
+          </a:prstGeom>
+          <a:gradFill flip="none" rotWithShape="1">
+            <a:gsLst>
+              <a:gs pos="0">
+                <a:schemeClr val="tx1">
+                  <a:lumMod val="50000"/>
+                  <a:lumOff val="50000"/>
+                  <a:shade val="30000"/>
+                  <a:satMod val="115000"/>
+                </a:schemeClr>
+              </a:gs>
+              <a:gs pos="50000">
+                <a:schemeClr val="tx1">
+                  <a:lumMod val="50000"/>
+                  <a:lumOff val="50000"/>
+                  <a:shade val="67500"/>
+                  <a:satMod val="115000"/>
+                </a:schemeClr>
+              </a:gs>
+              <a:gs pos="100000">
+                <a:schemeClr val="tx1">
+                  <a:lumMod val="50000"/>
+                  <a:lumOff val="50000"/>
+                  <a:shade val="100000"/>
+                  <a:satMod val="115000"/>
+                </a:schemeClr>
+              </a:gs>
+            </a:gsLst>
+            <a:lin ang="5400000" scaled="1"/>
+            <a:tileRect/>
+          </a:gradFill>
+          <a:ln>
+            <a:noFill/>
+          </a:ln>
+        </p:spPr>
+        <p:style>
+          <a:lnRef idx="2">
+            <a:schemeClr val="accent1">
+              <a:shade val="15000"/>
+            </a:schemeClr>
+          </a:lnRef>
+          <a:fillRef idx="1">
+            <a:schemeClr val="accent1"/>
+          </a:fillRef>
+          <a:effectRef idx="0">
+            <a:schemeClr val="accent1"/>
+          </a:effectRef>
+          <a:fontRef idx="minor">
+            <a:schemeClr val="lt1"/>
+          </a:fontRef>
+        </p:style>
+        <p:txBody>
+          <a:bodyPr rtlCol="0" anchor="ctr"/>
+          <a:lstStyle/>
+          <a:p>
+            <a:pPr algn="ctr"/>
+            <a:endParaRPr lang="en-IN"/>
+          </a:p>
+        </p:txBody>
+      </p:sp>
+      <p:sp>
+        <p:nvSpPr>
+          <p:cNvPr id="69" name="Isosceles Triangle 68">
+            <a:extLst>
+              <a:ext uri="{FF2B5EF4-FFF2-40B4-BE49-F238E27FC236}">
+                <a16:creationId xmlns:a16="http://schemas.microsoft.com/office/drawing/2014/main" id="{CA4C69D8-2DDA-06F0-FA7C-E372040B8343}"/>
+              </a:ext>
+            </a:extLst>
+          </p:cNvPr>
+          <p:cNvSpPr/>
+          <p:nvPr/>
+        </p:nvSpPr>
+        <p:spPr>
+          <a:xfrm rot="10800000">
+            <a:off x="4488035" y="4525023"/>
+            <a:ext cx="437905" cy="438912"/>
+          </a:xfrm>
+          <a:prstGeom prst="triangle">
+            <a:avLst/>
+          </a:prstGeom>
+          <a:gradFill flip="none" rotWithShape="1">
+            <a:gsLst>
+              <a:gs pos="0">
+                <a:schemeClr val="tx1">
+                  <a:lumMod val="50000"/>
+                  <a:lumOff val="50000"/>
+                  <a:shade val="30000"/>
+                  <a:satMod val="115000"/>
+                </a:schemeClr>
+              </a:gs>
+              <a:gs pos="50000">
+                <a:schemeClr val="tx1">
+                  <a:lumMod val="50000"/>
+                  <a:lumOff val="50000"/>
+                  <a:shade val="67500"/>
+                  <a:satMod val="115000"/>
+                </a:schemeClr>
+              </a:gs>
+              <a:gs pos="100000">
+                <a:schemeClr val="tx1">
+                  <a:lumMod val="50000"/>
+                  <a:lumOff val="50000"/>
+                  <a:shade val="100000"/>
+                  <a:satMod val="115000"/>
+                </a:schemeClr>
+              </a:gs>
+            </a:gsLst>
+            <a:lin ang="5400000" scaled="1"/>
+            <a:tileRect/>
+          </a:gradFill>
+          <a:ln>
+            <a:noFill/>
+          </a:ln>
+        </p:spPr>
+        <p:style>
+          <a:lnRef idx="2">
+            <a:schemeClr val="accent1">
+              <a:shade val="15000"/>
+            </a:schemeClr>
+          </a:lnRef>
+          <a:fillRef idx="1">
+            <a:schemeClr val="accent1"/>
+          </a:fillRef>
+          <a:effectRef idx="0">
+            <a:schemeClr val="accent1"/>
+          </a:effectRef>
+          <a:fontRef idx="minor">
+            <a:schemeClr val="lt1"/>
+          </a:fontRef>
+        </p:style>
+        <p:txBody>
+          <a:bodyPr rtlCol="0" anchor="ctr"/>
+          <a:lstStyle/>
+          <a:p>
+            <a:pPr algn="ctr"/>
+            <a:endParaRPr lang="en-IN"/>
+          </a:p>
+        </p:txBody>
+      </p:sp>
+      <p:sp>
+        <p:nvSpPr>
+          <p:cNvPr id="49" name="Rectangle 48">
+            <a:extLst>
+              <a:ext uri="{FF2B5EF4-FFF2-40B4-BE49-F238E27FC236}">
+                <a16:creationId xmlns:a16="http://schemas.microsoft.com/office/drawing/2014/main" id="{1C126CB8-B860-F81A-A21B-DCE6A1AFF344}"/>
+              </a:ext>
+            </a:extLst>
+          </p:cNvPr>
+          <p:cNvSpPr/>
+          <p:nvPr/>
+        </p:nvSpPr>
+        <p:spPr>
+          <a:xfrm>
+            <a:off x="8310016" y="1615975"/>
+            <a:ext cx="438912" cy="438912"/>
+          </a:xfrm>
+          <a:prstGeom prst="rect">
+            <a:avLst/>
+          </a:prstGeom>
+          <a:gradFill flip="none" rotWithShape="1">
+            <a:gsLst>
+              <a:gs pos="0">
+                <a:srgbClr val="7030A0">
+                  <a:shade val="30000"/>
+                  <a:satMod val="115000"/>
+                </a:srgbClr>
+              </a:gs>
+              <a:gs pos="50000">
+                <a:srgbClr val="7030A0">
+                  <a:shade val="67500"/>
+                  <a:satMod val="115000"/>
+                </a:srgbClr>
+              </a:gs>
+              <a:gs pos="100000">
+                <a:srgbClr val="7030A0">
+                  <a:shade val="100000"/>
+                  <a:satMod val="115000"/>
+                </a:srgbClr>
+              </a:gs>
+            </a:gsLst>
+            <a:lin ang="5400000" scaled="1"/>
+            <a:tileRect/>
+          </a:gradFill>
+          <a:ln w="57150">
+            <a:noFill/>
+          </a:ln>
+        </p:spPr>
+        <p:style>
+          <a:lnRef idx="2">
+            <a:schemeClr val="accent1">
+              <a:shade val="15000"/>
+            </a:schemeClr>
+          </a:lnRef>
+          <a:fillRef idx="1">
+            <a:schemeClr val="accent1"/>
+          </a:fillRef>
+          <a:effectRef idx="0">
+            <a:schemeClr val="accent1"/>
+          </a:effectRef>
+          <a:fontRef idx="minor">
+            <a:schemeClr val="lt1"/>
+          </a:fontRef>
+        </p:style>
+        <p:txBody>
+          <a:bodyPr rtlCol="0" anchor="ctr"/>
+          <a:lstStyle/>
+          <a:p>
+            <a:pPr algn="ctr"/>
+            <a:endParaRPr lang="en-IN"/>
+          </a:p>
+        </p:txBody>
+      </p:sp>
+      <p:sp>
+        <p:nvSpPr>
+          <p:cNvPr id="50" name="Rectangle 49">
+            <a:extLst>
+              <a:ext uri="{FF2B5EF4-FFF2-40B4-BE49-F238E27FC236}">
+                <a16:creationId xmlns:a16="http://schemas.microsoft.com/office/drawing/2014/main" id="{CC10673E-CCE0-F0C0-6A4B-CDB9BF4C461C}"/>
+              </a:ext>
+            </a:extLst>
+          </p:cNvPr>
+          <p:cNvSpPr/>
+          <p:nvPr/>
+        </p:nvSpPr>
+        <p:spPr>
+          <a:xfrm>
+            <a:off x="1097794" y="5574219"/>
+            <a:ext cx="438912" cy="438912"/>
+          </a:xfrm>
+          <a:prstGeom prst="rect">
+            <a:avLst/>
+          </a:prstGeom>
+          <a:solidFill>
+            <a:srgbClr val="9A0000"/>
+          </a:solidFill>
+          <a:ln w="57150">
+            <a:noFill/>
+          </a:ln>
+          <a:scene3d>
+            <a:camera prst="orthographicFront"/>
+            <a:lightRig rig="threePt" dir="t"/>
+          </a:scene3d>
+          <a:sp3d>
+            <a:bevelT prst="angle"/>
           </a:sp3d>
         </p:spPr>
         <p:style>
